--- a/presentation.pptx
+++ b/presentation.pptx
@@ -1232,7 +1232,7 @@
   <dgm:whole/>
   <dgm:extLst>
     <a:ext uri="http://schemas.microsoft.com/office/drawing/2008/diagram">
-      <dsp:dataModelExt xmlns:dsp="http://schemas.microsoft.com/office/drawing/2008/diagram" relId="rId6" minVer="http://schemas.openxmlformats.org/drawingml/2006/diagram"/>
+      <dsp:dataModelExt xmlns:dsp="http://schemas.microsoft.com/office/drawing/2008/diagram" relId="rId7" minVer="http://schemas.openxmlformats.org/drawingml/2006/diagram"/>
     </a:ext>
   </dgm:extLst>
 </dgm:dataModel>
@@ -2961,7 +2961,7 @@
           <a:p>
             <a:fld id="{886663A1-BE93-4F19-BCAE-33E954C20B2B}" type="datetimeFigureOut">
               <a:rPr lang="ru-RU" smtClean="0"/>
-              <a:t>15.12.2023</a:t>
+              <a:t>20.12.2023</a:t>
             </a:fld>
             <a:endParaRPr lang="ru-RU"/>
           </a:p>
@@ -3126,7 +3126,7 @@
           <a:p>
             <a:fld id="{E90C0431-2448-4DC3-AF70-2785FBE2C445}" type="datetimeFigureOut">
               <a:rPr lang="ru-RU" smtClean="0"/>
-              <a:t>15.12.2023</a:t>
+              <a:t>20.12.2023</a:t>
             </a:fld>
             <a:endParaRPr lang="ru-RU"/>
           </a:p>
@@ -3542,6 +3542,174 @@
           <a:p>
             <a:fld id="{D74341FE-AE5C-47F1-8FD8-47C4A673A802}" type="slidenum">
               <a:rPr lang="ru-RU" smtClean="0"/>
+              <a:t>4</a:t>
+            </a:fld>
+            <a:endParaRPr lang="ru-RU"/>
+          </a:p>
+        </p:txBody>
+      </p:sp>
+    </p:spTree>
+    <p:extLst>
+      <p:ext uri="{BB962C8B-B14F-4D97-AF65-F5344CB8AC3E}">
+        <p14:creationId xmlns:p14="http://schemas.microsoft.com/office/powerpoint/2010/main" val="2396203838"/>
+      </p:ext>
+    </p:extLst>
+  </p:cSld>
+  <p:clrMapOvr>
+    <a:masterClrMapping/>
+  </p:clrMapOvr>
+</p:notes>
+</file>
+
+<file path=ppt/notesSlides/notesSlide3.xml><?xml version="1.0" encoding="utf-8"?>
+<p:notes xmlns:a="http://schemas.openxmlformats.org/drawingml/2006/main" xmlns:r="http://schemas.openxmlformats.org/officeDocument/2006/relationships" xmlns:p="http://schemas.openxmlformats.org/presentationml/2006/main">
+  <p:cSld>
+    <p:spTree>
+      <p:nvGrpSpPr>
+        <p:cNvPr id="1" name=""/>
+        <p:cNvGrpSpPr/>
+        <p:nvPr/>
+      </p:nvGrpSpPr>
+      <p:grpSpPr>
+        <a:xfrm>
+          <a:off x="0" y="0"/>
+          <a:ext cx="0" cy="0"/>
+          <a:chOff x="0" y="0"/>
+          <a:chExt cx="0" cy="0"/>
+        </a:xfrm>
+      </p:grpSpPr>
+      <p:sp>
+        <p:nvSpPr>
+          <p:cNvPr id="2" name="Образ слайда 1"/>
+          <p:cNvSpPr>
+            <a:spLocks noGrp="1" noRot="1" noChangeAspect="1"/>
+          </p:cNvSpPr>
+          <p:nvPr>
+            <p:ph type="sldImg"/>
+          </p:nvPr>
+        </p:nvSpPr>
+        <p:spPr/>
+      </p:sp>
+      <p:sp>
+        <p:nvSpPr>
+          <p:cNvPr id="3" name="Заметки 2"/>
+          <p:cNvSpPr>
+            <a:spLocks noGrp="1"/>
+          </p:cNvSpPr>
+          <p:nvPr>
+            <p:ph type="body" idx="1"/>
+          </p:nvPr>
+        </p:nvSpPr>
+        <p:spPr/>
+        <p:txBody>
+          <a:bodyPr/>
+          <a:lstStyle/>
+          <a:p>
+            <a:endParaRPr lang="ru-RU" dirty="0"/>
+          </a:p>
+        </p:txBody>
+      </p:sp>
+      <p:sp>
+        <p:nvSpPr>
+          <p:cNvPr id="4" name="Номер слайда 3"/>
+          <p:cNvSpPr>
+            <a:spLocks noGrp="1"/>
+          </p:cNvSpPr>
+          <p:nvPr>
+            <p:ph type="sldNum" sz="quarter" idx="5"/>
+          </p:nvPr>
+        </p:nvSpPr>
+        <p:spPr/>
+        <p:txBody>
+          <a:bodyPr/>
+          <a:lstStyle/>
+          <a:p>
+            <a:fld id="{D74341FE-AE5C-47F1-8FD8-47C4A673A802}" type="slidenum">
+              <a:rPr lang="ru-RU" smtClean="0"/>
+              <a:t>5</a:t>
+            </a:fld>
+            <a:endParaRPr lang="ru-RU"/>
+          </a:p>
+        </p:txBody>
+      </p:sp>
+    </p:spTree>
+    <p:extLst>
+      <p:ext uri="{BB962C8B-B14F-4D97-AF65-F5344CB8AC3E}">
+        <p14:creationId xmlns:p14="http://schemas.microsoft.com/office/powerpoint/2010/main" val="1214893704"/>
+      </p:ext>
+    </p:extLst>
+  </p:cSld>
+  <p:clrMapOvr>
+    <a:masterClrMapping/>
+  </p:clrMapOvr>
+</p:notes>
+</file>
+
+<file path=ppt/notesSlides/notesSlide4.xml><?xml version="1.0" encoding="utf-8"?>
+<p:notes xmlns:a="http://schemas.openxmlformats.org/drawingml/2006/main" xmlns:r="http://schemas.openxmlformats.org/officeDocument/2006/relationships" xmlns:p="http://schemas.openxmlformats.org/presentationml/2006/main">
+  <p:cSld>
+    <p:spTree>
+      <p:nvGrpSpPr>
+        <p:cNvPr id="1" name=""/>
+        <p:cNvGrpSpPr/>
+        <p:nvPr/>
+      </p:nvGrpSpPr>
+      <p:grpSpPr>
+        <a:xfrm>
+          <a:off x="0" y="0"/>
+          <a:ext cx="0" cy="0"/>
+          <a:chOff x="0" y="0"/>
+          <a:chExt cx="0" cy="0"/>
+        </a:xfrm>
+      </p:grpSpPr>
+      <p:sp>
+        <p:nvSpPr>
+          <p:cNvPr id="2" name="Образ слайда 1"/>
+          <p:cNvSpPr>
+            <a:spLocks noGrp="1" noRot="1" noChangeAspect="1"/>
+          </p:cNvSpPr>
+          <p:nvPr>
+            <p:ph type="sldImg"/>
+          </p:nvPr>
+        </p:nvSpPr>
+        <p:spPr/>
+      </p:sp>
+      <p:sp>
+        <p:nvSpPr>
+          <p:cNvPr id="3" name="Заметки 2"/>
+          <p:cNvSpPr>
+            <a:spLocks noGrp="1"/>
+          </p:cNvSpPr>
+          <p:nvPr>
+            <p:ph type="body" idx="1"/>
+          </p:nvPr>
+        </p:nvSpPr>
+        <p:spPr/>
+        <p:txBody>
+          <a:bodyPr/>
+          <a:lstStyle/>
+          <a:p>
+            <a:endParaRPr lang="ru-RU" dirty="0"/>
+          </a:p>
+        </p:txBody>
+      </p:sp>
+      <p:sp>
+        <p:nvSpPr>
+          <p:cNvPr id="4" name="Номер слайда 3"/>
+          <p:cNvSpPr>
+            <a:spLocks noGrp="1"/>
+          </p:cNvSpPr>
+          <p:nvPr>
+            <p:ph type="sldNum" sz="quarter" idx="5"/>
+          </p:nvPr>
+        </p:nvSpPr>
+        <p:spPr/>
+        <p:txBody>
+          <a:bodyPr/>
+          <a:lstStyle/>
+          <a:p>
+            <a:fld id="{D74341FE-AE5C-47F1-8FD8-47C4A673A802}" type="slidenum">
+              <a:rPr lang="ru-RU" smtClean="0"/>
               <a:t>6</a:t>
             </a:fld>
             <a:endParaRPr lang="ru-RU"/>
@@ -3672,7 +3840,7 @@
             <a:fld id="{A5E48A96-E1BB-4C8F-80B2-32A47A48A9D5}" type="datetimeFigureOut">
               <a:rPr lang="ru-RU" smtClean="0"/>
               <a:pPr/>
-              <a:t>15.12.2023</a:t>
+              <a:t>20.12.2023</a:t>
             </a:fld>
             <a:endParaRPr lang="ru-RU"/>
           </a:p>
@@ -3946,7 +4114,7 @@
             <a:fld id="{A5E48A96-E1BB-4C8F-80B2-32A47A48A9D5}" type="datetimeFigureOut">
               <a:rPr lang="ru-RU" smtClean="0"/>
               <a:pPr/>
-              <a:t>15.12.2023</a:t>
+              <a:t>20.12.2023</a:t>
             </a:fld>
             <a:endParaRPr lang="ru-RU"/>
           </a:p>
@@ -4233,7 +4401,7 @@
             <a:fld id="{A5E48A96-E1BB-4C8F-80B2-32A47A48A9D5}" type="datetimeFigureOut">
               <a:rPr lang="ru-RU" smtClean="0"/>
               <a:pPr/>
-              <a:t>15.12.2023</a:t>
+              <a:t>20.12.2023</a:t>
             </a:fld>
             <a:endParaRPr lang="ru-RU"/>
           </a:p>
@@ -4393,7 +4561,7 @@
             <a:fld id="{A5E48A96-E1BB-4C8F-80B2-32A47A48A9D5}" type="datetimeFigureOut">
               <a:rPr lang="ru-RU" smtClean="0"/>
               <a:pPr/>
-              <a:t>15.12.2023</a:t>
+              <a:t>20.12.2023</a:t>
             </a:fld>
             <a:endParaRPr lang="ru-RU"/>
           </a:p>
@@ -5030,7 +5198,7 @@
             <a:fld id="{A5E48A96-E1BB-4C8F-80B2-32A47A48A9D5}" type="datetimeFigureOut">
               <a:rPr lang="ru-RU" smtClean="0"/>
               <a:pPr/>
-              <a:t>15.12.2023</a:t>
+              <a:t>20.12.2023</a:t>
             </a:fld>
             <a:endParaRPr lang="ru-RU"/>
           </a:p>
@@ -5325,7 +5493,7 @@
             <a:fld id="{A5E48A96-E1BB-4C8F-80B2-32A47A48A9D5}" type="datetimeFigureOut">
               <a:rPr lang="ru-RU" smtClean="0"/>
               <a:pPr/>
-              <a:t>15.12.2023</a:t>
+              <a:t>20.12.2023</a:t>
             </a:fld>
             <a:endParaRPr lang="ru-RU"/>
           </a:p>
@@ -5884,7 +6052,7 @@
             <a:fld id="{A5E48A96-E1BB-4C8F-80B2-32A47A48A9D5}" type="datetimeFigureOut">
               <a:rPr lang="ru-RU" smtClean="0"/>
               <a:pPr/>
-              <a:t>15.12.2023</a:t>
+              <a:t>20.12.2023</a:t>
             </a:fld>
             <a:endParaRPr lang="ru-RU"/>
           </a:p>
@@ -6068,7 +6236,7 @@
             <a:fld id="{A5E48A96-E1BB-4C8F-80B2-32A47A48A9D5}" type="datetimeFigureOut">
               <a:rPr lang="ru-RU" smtClean="0"/>
               <a:pPr/>
-              <a:t>15.12.2023</a:t>
+              <a:t>20.12.2023</a:t>
             </a:fld>
             <a:endParaRPr lang="ru-RU"/>
           </a:p>
@@ -6210,7 +6378,7 @@
             <a:fld id="{A5E48A96-E1BB-4C8F-80B2-32A47A48A9D5}" type="datetimeFigureOut">
               <a:rPr lang="ru-RU" smtClean="0"/>
               <a:pPr/>
-              <a:t>15.12.2023</a:t>
+              <a:t>20.12.2023</a:t>
             </a:fld>
             <a:endParaRPr lang="ru-RU"/>
           </a:p>
@@ -6581,7 +6749,7 @@
             <a:fld id="{A5E48A96-E1BB-4C8F-80B2-32A47A48A9D5}" type="datetimeFigureOut">
               <a:rPr lang="ru-RU" smtClean="0"/>
               <a:pPr/>
-              <a:t>15.12.2023</a:t>
+              <a:t>20.12.2023</a:t>
             </a:fld>
             <a:endParaRPr lang="ru-RU"/>
           </a:p>
@@ -6901,7 +7069,7 @@
             <a:fld id="{A5E48A96-E1BB-4C8F-80B2-32A47A48A9D5}" type="datetimeFigureOut">
               <a:rPr lang="ru-RU" smtClean="0"/>
               <a:pPr/>
-              <a:t>15.12.2023</a:t>
+              <a:t>20.12.2023</a:t>
             </a:fld>
             <a:endParaRPr lang="ru-RU"/>
           </a:p>
@@ -7157,7 +7325,7 @@
             <a:fld id="{A5E48A96-E1BB-4C8F-80B2-32A47A48A9D5}" type="datetimeFigureOut">
               <a:rPr lang="ru-RU" smtClean="0"/>
               <a:pPr/>
-              <a:t>15.12.2023</a:t>
+              <a:t>20.12.2023</a:t>
             </a:fld>
             <a:endParaRPr lang="ru-RU"/>
           </a:p>
@@ -7965,13 +8133,13 @@
   <p:clrMapOvr>
     <a:masterClrMapping/>
   </p:clrMapOvr>
-  <mc:AlternateContent xmlns:mc="http://schemas.openxmlformats.org/markup-compatibility/2006">
-    <mc:Choice xmlns:p14="http://schemas.microsoft.com/office/powerpoint/2010/main" Requires="p14">
+  <mc:AlternateContent xmlns:mc="http://schemas.openxmlformats.org/markup-compatibility/2006" xmlns:p14="http://schemas.microsoft.com/office/powerpoint/2010/main">
+    <mc:Choice Requires="p14">
       <p:transition spd="med" p14:dur="700">
         <p:fade/>
       </p:transition>
     </mc:Choice>
-    <mc:Fallback>
+    <mc:Fallback xmlns="">
       <p:transition spd="med">
         <p:fade/>
       </p:transition>
@@ -8129,13 +8297,13 @@
   <p:clrMapOvr>
     <a:masterClrMapping/>
   </p:clrMapOvr>
-  <mc:AlternateContent xmlns:mc="http://schemas.openxmlformats.org/markup-compatibility/2006">
-    <mc:Choice xmlns:p14="http://schemas.microsoft.com/office/powerpoint/2010/main" Requires="p14">
+  <mc:AlternateContent xmlns:mc="http://schemas.openxmlformats.org/markup-compatibility/2006" xmlns:p14="http://schemas.microsoft.com/office/powerpoint/2010/main">
+    <mc:Choice Requires="p14">
       <p:transition spd="med" p14:dur="700">
         <p:fade/>
       </p:transition>
     </mc:Choice>
-    <mc:Fallback>
+    <mc:Fallback xmlns="">
       <p:transition spd="med">
         <p:fade/>
       </p:transition>
@@ -8438,13 +8606,13 @@
   <p:clrMapOvr>
     <a:masterClrMapping/>
   </p:clrMapOvr>
-  <mc:AlternateContent xmlns:mc="http://schemas.openxmlformats.org/markup-compatibility/2006">
-    <mc:Choice xmlns:p14="http://schemas.microsoft.com/office/powerpoint/2010/main" Requires="p14">
+  <mc:AlternateContent xmlns:mc="http://schemas.openxmlformats.org/markup-compatibility/2006" xmlns:p14="http://schemas.microsoft.com/office/powerpoint/2010/main">
+    <mc:Choice Requires="p14">
       <p:transition spd="med" p14:dur="700">
         <p:fade/>
       </p:transition>
     </mc:Choice>
-    <mc:Fallback>
+    <mc:Fallback xmlns="">
       <p:transition spd="med">
         <p:fade/>
       </p:transition>
@@ -8531,7 +8699,7 @@
                 <a:effectLst/>
                 <a:latin typeface="Söhne"/>
               </a:rPr>
-              <a:t>В данной презентации представлены результаты исследования, эффективности проведенных рекламных кампаний. В ходе анализа был фокус на ответах на ряд ключевых вопросов, связанных с воздействием рекламных мероприятий на </a:t>
+              <a:t>В данной презентации представлены результаты исследования эффективности проведенных рекламных кампаний. В ходе анализа был </a:t>
             </a:r>
             <a:r>
               <a:rPr lang="ru-RU" sz="1600" dirty="0">
@@ -8542,7 +8710,7 @@
                 </a:solidFill>
                 <a:latin typeface="Söhne"/>
               </a:rPr>
-              <a:t>основные показатели</a:t>
+              <a:t>дан</a:t>
             </a:r>
             <a:r>
               <a:rPr lang="ru-RU" sz="1600" b="0" i="0" u="none" strike="noStrike" dirty="0">
@@ -8554,8 +8722,17 @@
                 <a:effectLst/>
                 <a:latin typeface="Söhne"/>
               </a:rPr>
-              <a:t>.</a:t>
-            </a:r>
+              <a:t> ответ на ряд ключевых вопросов, связанных с воздействием рекламных мероприятий на основные показатели.</a:t>
+            </a:r>
+            <a:endParaRPr lang="en-US" sz="1600" b="0" i="0" u="none" strike="noStrike" dirty="0">
+              <a:solidFill>
+                <a:schemeClr val="accent2">
+                  <a:lumMod val="75000"/>
+                </a:schemeClr>
+              </a:solidFill>
+              <a:effectLst/>
+              <a:latin typeface="Söhne"/>
+            </a:endParaRPr>
           </a:p>
           <a:p>
             <a:pPr algn="l"/>
@@ -8581,8 +8758,17 @@
                 <a:effectLst/>
                 <a:latin typeface="Söhne"/>
               </a:rPr>
-              <a:t>В первую очередь было рассмотрено, как изменяются заходы и регистрации при запуске рекламы. Затем мы подробно исследуем временные периоды, в которых возможны просадки в заходах и регистрациях, и попытаемся выяснить, какие факторы могли повлиять на эти изменения.</a:t>
-            </a:r>
+              <a:t>В первую очередь было рассмотрено, как изменяются заходы и регистрации при запуске рекламы. Затем мы подробно исследовали временные периоды, в которых были просадки в заходах и регистрациях, и выяснили, какие факторы повлияли на эти изменения.</a:t>
+            </a:r>
+            <a:endParaRPr lang="en-US" sz="1600" b="0" i="0" u="none" strike="noStrike" dirty="0">
+              <a:solidFill>
+                <a:schemeClr val="accent2">
+                  <a:lumMod val="75000"/>
+                </a:schemeClr>
+              </a:solidFill>
+              <a:effectLst/>
+              <a:latin typeface="Söhne"/>
+            </a:endParaRPr>
           </a:p>
           <a:p>
             <a:pPr algn="l"/>
@@ -8608,30 +8794,7 @@
                 <a:effectLst/>
                 <a:latin typeface="Söhne"/>
               </a:rPr>
-              <a:t>Особое внимание было уделено влиянию смены креатива на возможные колебания активности. </a:t>
-            </a:r>
-            <a:r>
-              <a:rPr lang="ru-RU" sz="1600" dirty="0">
-                <a:solidFill>
-                  <a:schemeClr val="accent2">
-                    <a:lumMod val="75000"/>
-                  </a:schemeClr>
-                </a:solidFill>
-                <a:latin typeface="Söhne"/>
-              </a:rPr>
-              <a:t>Т</a:t>
-            </a:r>
-            <a:r>
-              <a:rPr lang="ru-RU" sz="1600" b="0" i="0" u="none" strike="noStrike" dirty="0">
-                <a:solidFill>
-                  <a:schemeClr val="accent2">
-                    <a:lumMod val="75000"/>
-                  </a:schemeClr>
-                </a:solidFill>
-                <a:effectLst/>
-                <a:latin typeface="Söhne"/>
-              </a:rPr>
-              <a:t>акже рассмотрен вопрос, можно ли связать просадки в регистрациях с конкретным рекламным трафиком или возможными техническими сбоями в процессе регистрации.</a:t>
+              <a:t>Особое внимание было уделено влиянию смены креатива на возможные колебания активности. Также рассмотрен вопрос, можно ли связать просадки в регистрациях с конкретным рекламным трафиком или возможными техническими сбоями в процессе регистрации.</a:t>
             </a:r>
           </a:p>
         </p:txBody>
@@ -8646,13 +8809,13 @@
   <p:clrMapOvr>
     <a:masterClrMapping/>
   </p:clrMapOvr>
-  <mc:AlternateContent xmlns:mc="http://schemas.openxmlformats.org/markup-compatibility/2006">
-    <mc:Choice xmlns:p14="http://schemas.microsoft.com/office/powerpoint/2010/main" Requires="p14">
+  <mc:AlternateContent xmlns:mc="http://schemas.openxmlformats.org/markup-compatibility/2006" xmlns:p14="http://schemas.microsoft.com/office/powerpoint/2010/main">
+    <mc:Choice Requires="p14">
       <p:transition spd="med" p14:dur="700">
         <p:fade/>
       </p:transition>
     </mc:Choice>
-    <mc:Fallback>
+    <mc:Fallback xmlns="">
       <p:transition spd="med">
         <p:fade/>
       </p:transition>
@@ -8740,13 +8903,13 @@
   <p:clrMapOvr>
     <a:masterClrMapping/>
   </p:clrMapOvr>
-  <mc:AlternateContent xmlns:mc="http://schemas.openxmlformats.org/markup-compatibility/2006">
-    <mc:Choice xmlns:p14="http://schemas.microsoft.com/office/powerpoint/2010/main" Requires="p14">
+  <mc:AlternateContent xmlns:mc="http://schemas.openxmlformats.org/markup-compatibility/2006" xmlns:p14="http://schemas.microsoft.com/office/powerpoint/2010/main">
+    <mc:Choice Requires="p14">
       <p:transition spd="med" p14:dur="700">
         <p:fade/>
       </p:transition>
     </mc:Choice>
-    <mc:Fallback>
+    <mc:Fallback xmlns="">
       <p:transition spd="med">
         <p:fade/>
       </p:transition>
@@ -8818,7 +8981,7 @@
         </p:xfrm>
         <a:graphic>
           <a:graphicData uri="http://schemas.openxmlformats.org/drawingml/2006/diagram">
-            <dgm:relIds xmlns:dgm="http://schemas.openxmlformats.org/drawingml/2006/diagram" xmlns:r="http://schemas.openxmlformats.org/officeDocument/2006/relationships" r:dm="rId2" r:lo="rId3" r:qs="rId4" r:cs="rId5"/>
+            <dgm:relIds xmlns:dgm="http://schemas.openxmlformats.org/drawingml/2006/diagram" xmlns:r="http://schemas.openxmlformats.org/officeDocument/2006/relationships" r:dm="rId3" r:lo="rId4" r:qs="rId5" r:cs="rId6"/>
           </a:graphicData>
         </a:graphic>
       </p:graphicFrame>
@@ -8962,8 +9125,8 @@
         </p:nvSpPr>
         <p:spPr>
           <a:xfrm>
-            <a:off x="1547664" y="5369399"/>
-            <a:ext cx="2160240" cy="584775"/>
+            <a:off x="467544" y="5369399"/>
+            <a:ext cx="4320480" cy="1138773"/>
           </a:xfrm>
           <a:prstGeom prst="rect">
             <a:avLst/>
@@ -8986,6 +9149,19 @@
                 </a:solidFill>
               </a:rPr>
               <a:t>Конверсия</a:t>
+            </a:r>
+          </a:p>
+          <a:p>
+            <a:pPr algn="ctr"/>
+            <a:r>
+              <a:rPr lang="ru-RU" dirty="0">
+                <a:solidFill>
+                  <a:schemeClr val="accent2">
+                    <a:lumMod val="75000"/>
+                  </a:schemeClr>
+                </a:solidFill>
+              </a:rPr>
+              <a:t>регистраций по отношению к уникальным пользователям</a:t>
             </a:r>
           </a:p>
         </p:txBody>
@@ -9054,42 +9230,6 @@
           </a:p>
         </p:txBody>
       </p:sp>
-      <p:pic>
-        <p:nvPicPr>
-          <p:cNvPr id="4" name="Рисунок 3" descr="Изображение выглядит как снимок экрана, График, диаграмма, линия&#10;&#10;Автоматически созданное описание">
-            <a:extLst>
-              <a:ext uri="{FF2B5EF4-FFF2-40B4-BE49-F238E27FC236}">
-                <a16:creationId xmlns:a16="http://schemas.microsoft.com/office/drawing/2014/main" id="{CC4B1DE4-ED80-2D38-3F0E-CB33D3701DC0}"/>
-              </a:ext>
-            </a:extLst>
-          </p:cNvPr>
-          <p:cNvPicPr>
-            <a:picLocks noChangeAspect="1"/>
-          </p:cNvPicPr>
-          <p:nvPr/>
-        </p:nvPicPr>
-        <p:blipFill>
-          <a:blip r:embed="rId2">
-            <a:extLst>
-              <a:ext uri="{28A0092B-C50C-407E-A947-70E740481C1C}">
-                <a14:useLocalDpi xmlns:a14="http://schemas.microsoft.com/office/drawing/2010/main" val="0"/>
-              </a:ext>
-            </a:extLst>
-          </a:blip>
-          <a:stretch>
-            <a:fillRect/>
-          </a:stretch>
-        </p:blipFill>
-        <p:spPr>
-          <a:xfrm>
-            <a:off x="2147108" y="1556793"/>
-            <a:ext cx="6599124" cy="3744416"/>
-          </a:xfrm>
-          <a:prstGeom prst="rect">
-            <a:avLst/>
-          </a:prstGeom>
-        </p:spPr>
-      </p:pic>
       <p:sp>
         <p:nvSpPr>
           <p:cNvPr id="6" name="TextBox 5">
@@ -9198,6 +9338,42 @@
           </a:p>
         </p:txBody>
       </p:sp>
+      <p:pic>
+        <p:nvPicPr>
+          <p:cNvPr id="23" name="Рисунок 22" descr="Изображение выглядит как снимок экрана, График, линия, диаграмма&#10;&#10;Автоматически созданное описание">
+            <a:extLst>
+              <a:ext uri="{FF2B5EF4-FFF2-40B4-BE49-F238E27FC236}">
+                <a16:creationId xmlns:a16="http://schemas.microsoft.com/office/drawing/2014/main" id="{EA4C82A7-532A-89D2-A310-3432A5BA83F4}"/>
+              </a:ext>
+            </a:extLst>
+          </p:cNvPr>
+          <p:cNvPicPr>
+            <a:picLocks noChangeAspect="1"/>
+          </p:cNvPicPr>
+          <p:nvPr/>
+        </p:nvPicPr>
+        <p:blipFill>
+          <a:blip r:embed="rId3">
+            <a:extLst>
+              <a:ext uri="{28A0092B-C50C-407E-A947-70E740481C1C}">
+                <a14:useLocalDpi xmlns:a14="http://schemas.microsoft.com/office/drawing/2010/main" val="0"/>
+              </a:ext>
+            </a:extLst>
+          </a:blip>
+          <a:stretch>
+            <a:fillRect/>
+          </a:stretch>
+        </p:blipFill>
+        <p:spPr>
+          <a:xfrm>
+            <a:off x="2123728" y="1484784"/>
+            <a:ext cx="6696744" cy="4096231"/>
+          </a:xfrm>
+          <a:prstGeom prst="rect">
+            <a:avLst/>
+          </a:prstGeom>
+        </p:spPr>
+      </p:pic>
     </p:spTree>
     <p:extLst>
       <p:ext uri="{BB962C8B-B14F-4D97-AF65-F5344CB8AC3E}">
@@ -9208,13 +9384,13 @@
   <p:clrMapOvr>
     <a:masterClrMapping/>
   </p:clrMapOvr>
-  <mc:AlternateContent xmlns:mc="http://schemas.openxmlformats.org/markup-compatibility/2006">
-    <mc:Choice xmlns:p14="http://schemas.microsoft.com/office/powerpoint/2010/main" Requires="p14">
+  <mc:AlternateContent xmlns:mc="http://schemas.openxmlformats.org/markup-compatibility/2006" xmlns:p14="http://schemas.microsoft.com/office/powerpoint/2010/main">
+    <mc:Choice Requires="p14">
       <p:transition spd="med" p14:dur="700">
         <p:fade/>
       </p:transition>
     </mc:Choice>
-    <mc:Fallback>
+    <mc:Fallback xmlns="">
       <p:transition spd="med">
         <p:fade/>
       </p:transition>
@@ -9262,42 +9438,6 @@
           </a:p>
         </p:txBody>
       </p:sp>
-      <p:pic>
-        <p:nvPicPr>
-          <p:cNvPr id="4" name="Рисунок 3" descr="Изображение выглядит как снимок экрана, График, линия, диаграмма&#10;&#10;Автоматически созданное описание">
-            <a:extLst>
-              <a:ext uri="{FF2B5EF4-FFF2-40B4-BE49-F238E27FC236}">
-                <a16:creationId xmlns:a16="http://schemas.microsoft.com/office/drawing/2014/main" id="{5F73342B-F516-4176-5CBE-0959B14CB364}"/>
-              </a:ext>
-            </a:extLst>
-          </p:cNvPr>
-          <p:cNvPicPr>
-            <a:picLocks noChangeAspect="1"/>
-          </p:cNvPicPr>
-          <p:nvPr/>
-        </p:nvPicPr>
-        <p:blipFill>
-          <a:blip r:embed="rId3">
-            <a:extLst>
-              <a:ext uri="{28A0092B-C50C-407E-A947-70E740481C1C}">
-                <a14:useLocalDpi xmlns:a14="http://schemas.microsoft.com/office/drawing/2010/main" val="0"/>
-              </a:ext>
-            </a:extLst>
-          </a:blip>
-          <a:stretch>
-            <a:fillRect/>
-          </a:stretch>
-        </p:blipFill>
-        <p:spPr>
-          <a:xfrm>
-            <a:off x="2012813" y="1484784"/>
-            <a:ext cx="7106223" cy="3553112"/>
-          </a:xfrm>
-          <a:prstGeom prst="rect">
-            <a:avLst/>
-          </a:prstGeom>
-        </p:spPr>
-      </p:pic>
       <p:sp>
         <p:nvSpPr>
           <p:cNvPr id="6" name="TextBox 5">
@@ -9353,17 +9493,6 @@
               <a:t>Платформа </a:t>
             </a:r>
             <a:r>
-              <a:rPr lang="en" dirty="0">
-                <a:solidFill>
-                  <a:schemeClr val="accent2">
-                    <a:lumMod val="75000"/>
-                  </a:schemeClr>
-                </a:solidFill>
-                <a:latin typeface="Söhne"/>
-              </a:rPr>
-              <a:t>w</a:t>
-            </a:r>
-            <a:r>
               <a:rPr lang="en" b="0" i="0" u="none" strike="noStrike" dirty="0">
                 <a:solidFill>
                   <a:schemeClr val="accent2">
@@ -9373,7 +9502,7 @@
                 <a:effectLst/>
                 <a:latin typeface="Söhne"/>
               </a:rPr>
-              <a:t>eb – </a:t>
+              <a:t>android – </a:t>
             </a:r>
             <a:r>
               <a:rPr lang="ru-RU" b="0" i="0" u="none" strike="noStrike" dirty="0">
@@ -9397,6 +9526,42 @@
           </a:p>
         </p:txBody>
       </p:sp>
+      <p:pic>
+        <p:nvPicPr>
+          <p:cNvPr id="12" name="Рисунок 11" descr="Изображение выглядит как снимок экрана, График, линия, диаграмма&#10;&#10;Автоматически созданное описание">
+            <a:extLst>
+              <a:ext uri="{FF2B5EF4-FFF2-40B4-BE49-F238E27FC236}">
+                <a16:creationId xmlns:a16="http://schemas.microsoft.com/office/drawing/2014/main" id="{6857D268-3284-49C8-FCC6-D30E31A29E11}"/>
+              </a:ext>
+            </a:extLst>
+          </p:cNvPr>
+          <p:cNvPicPr>
+            <a:picLocks noChangeAspect="1"/>
+          </p:cNvPicPr>
+          <p:nvPr/>
+        </p:nvPicPr>
+        <p:blipFill>
+          <a:blip r:embed="rId3">
+            <a:extLst>
+              <a:ext uri="{28A0092B-C50C-407E-A947-70E740481C1C}">
+                <a14:useLocalDpi xmlns:a14="http://schemas.microsoft.com/office/drawing/2010/main" val="0"/>
+              </a:ext>
+            </a:extLst>
+          </a:blip>
+          <a:stretch>
+            <a:fillRect/>
+          </a:stretch>
+        </p:blipFill>
+        <p:spPr>
+          <a:xfrm>
+            <a:off x="2627784" y="1503245"/>
+            <a:ext cx="6264696" cy="3851509"/>
+          </a:xfrm>
+          <a:prstGeom prst="rect">
+            <a:avLst/>
+          </a:prstGeom>
+        </p:spPr>
+      </p:pic>
     </p:spTree>
     <p:extLst>
       <p:ext uri="{BB962C8B-B14F-4D97-AF65-F5344CB8AC3E}">
@@ -9407,13 +9572,13 @@
   <p:clrMapOvr>
     <a:masterClrMapping/>
   </p:clrMapOvr>
-  <mc:AlternateContent xmlns:mc="http://schemas.openxmlformats.org/markup-compatibility/2006">
-    <mc:Choice xmlns:p14="http://schemas.microsoft.com/office/powerpoint/2010/main" Requires="p14">
+  <mc:AlternateContent xmlns:mc="http://schemas.openxmlformats.org/markup-compatibility/2006" xmlns:p14="http://schemas.microsoft.com/office/powerpoint/2010/main">
+    <mc:Choice Requires="p14">
       <p:transition spd="med" p14:dur="700">
         <p:fade/>
       </p:transition>
     </mc:Choice>
-    <mc:Fallback>
+    <mc:Fallback xmlns="">
       <p:transition spd="med">
         <p:fade/>
       </p:transition>
@@ -9461,42 +9626,6 @@
           </a:p>
         </p:txBody>
       </p:sp>
-      <p:pic>
-        <p:nvPicPr>
-          <p:cNvPr id="4" name="Рисунок 3" descr="Изображение выглядит как диаграмма, круг, Красочность, дизайн&#10;&#10;Автоматически созданное описание">
-            <a:extLst>
-              <a:ext uri="{FF2B5EF4-FFF2-40B4-BE49-F238E27FC236}">
-                <a16:creationId xmlns:a16="http://schemas.microsoft.com/office/drawing/2014/main" id="{3B2D0CD7-C479-89EE-EF19-D5266C93BB2B}"/>
-              </a:ext>
-            </a:extLst>
-          </p:cNvPr>
-          <p:cNvPicPr>
-            <a:picLocks noChangeAspect="1"/>
-          </p:cNvPicPr>
-          <p:nvPr/>
-        </p:nvPicPr>
-        <p:blipFill>
-          <a:blip r:embed="rId2">
-            <a:extLst>
-              <a:ext uri="{28A0092B-C50C-407E-A947-70E740481C1C}">
-                <a14:useLocalDpi xmlns:a14="http://schemas.microsoft.com/office/drawing/2010/main" val="0"/>
-              </a:ext>
-            </a:extLst>
-          </a:blip>
-          <a:stretch>
-            <a:fillRect/>
-          </a:stretch>
-        </p:blipFill>
-        <p:spPr>
-          <a:xfrm>
-            <a:off x="2051719" y="1485900"/>
-            <a:ext cx="7079081" cy="3539541"/>
-          </a:xfrm>
-          <a:prstGeom prst="rect">
-            <a:avLst/>
-          </a:prstGeom>
-        </p:spPr>
-      </p:pic>
       <p:sp>
         <p:nvSpPr>
           <p:cNvPr id="6" name="TextBox 5">
@@ -9643,6 +9772,42 @@
           </a:p>
         </p:txBody>
       </p:sp>
+      <p:pic>
+        <p:nvPicPr>
+          <p:cNvPr id="10" name="Рисунок 9" descr="Изображение выглядит как диаграмма, текст, круг, снимок экрана&#10;&#10;Автоматически созданное описание">
+            <a:extLst>
+              <a:ext uri="{FF2B5EF4-FFF2-40B4-BE49-F238E27FC236}">
+                <a16:creationId xmlns:a16="http://schemas.microsoft.com/office/drawing/2014/main" id="{8DD1980F-4ADD-F5BA-A6E9-120716B41617}"/>
+              </a:ext>
+            </a:extLst>
+          </p:cNvPr>
+          <p:cNvPicPr>
+            <a:picLocks noChangeAspect="1"/>
+          </p:cNvPicPr>
+          <p:nvPr/>
+        </p:nvPicPr>
+        <p:blipFill>
+          <a:blip r:embed="rId2">
+            <a:extLst>
+              <a:ext uri="{28A0092B-C50C-407E-A947-70E740481C1C}">
+                <a14:useLocalDpi xmlns:a14="http://schemas.microsoft.com/office/drawing/2010/main" val="0"/>
+              </a:ext>
+            </a:extLst>
+          </a:blip>
+          <a:stretch>
+            <a:fillRect/>
+          </a:stretch>
+        </p:blipFill>
+        <p:spPr>
+          <a:xfrm>
+            <a:off x="2339752" y="1563349"/>
+            <a:ext cx="6736097" cy="3233803"/>
+          </a:xfrm>
+          <a:prstGeom prst="rect">
+            <a:avLst/>
+          </a:prstGeom>
+        </p:spPr>
+      </p:pic>
     </p:spTree>
     <p:extLst>
       <p:ext uri="{BB962C8B-B14F-4D97-AF65-F5344CB8AC3E}">
@@ -9653,13 +9818,13 @@
   <p:clrMapOvr>
     <a:masterClrMapping/>
   </p:clrMapOvr>
-  <mc:AlternateContent xmlns:mc="http://schemas.openxmlformats.org/markup-compatibility/2006">
-    <mc:Choice xmlns:p14="http://schemas.microsoft.com/office/powerpoint/2010/main" Requires="p14">
+  <mc:AlternateContent xmlns:mc="http://schemas.openxmlformats.org/markup-compatibility/2006" xmlns:p14="http://schemas.microsoft.com/office/powerpoint/2010/main">
+    <mc:Choice Requires="p14">
       <p:transition spd="med" p14:dur="700">
         <p:fade/>
       </p:transition>
     </mc:Choice>
-    <mc:Fallback>
+    <mc:Fallback xmlns="">
       <p:transition spd="med">
         <p:fade/>
       </p:transition>
@@ -9707,42 +9872,6 @@
           </a:p>
         </p:txBody>
       </p:sp>
-      <p:pic>
-        <p:nvPicPr>
-          <p:cNvPr id="4" name="Рисунок 3" descr="Изображение выглядит как текст, линия, Шрифт, График&#10;&#10;Автоматически созданное описание">
-            <a:extLst>
-              <a:ext uri="{FF2B5EF4-FFF2-40B4-BE49-F238E27FC236}">
-                <a16:creationId xmlns:a16="http://schemas.microsoft.com/office/drawing/2014/main" id="{230BD954-D41E-3298-101B-1E0E16ED1572}"/>
-              </a:ext>
-            </a:extLst>
-          </p:cNvPr>
-          <p:cNvPicPr>
-            <a:picLocks noChangeAspect="1"/>
-          </p:cNvPicPr>
-          <p:nvPr/>
-        </p:nvPicPr>
-        <p:blipFill>
-          <a:blip r:embed="rId2">
-            <a:extLst>
-              <a:ext uri="{28A0092B-C50C-407E-A947-70E740481C1C}">
-                <a14:useLocalDpi xmlns:a14="http://schemas.microsoft.com/office/drawing/2010/main" val="0"/>
-              </a:ext>
-            </a:extLst>
-          </a:blip>
-          <a:stretch>
-            <a:fillRect/>
-          </a:stretch>
-        </p:blipFill>
-        <p:spPr>
-          <a:xfrm>
-            <a:off x="2051720" y="1484784"/>
-            <a:ext cx="7092280" cy="3546140"/>
-          </a:xfrm>
-          <a:prstGeom prst="rect">
-            <a:avLst/>
-          </a:prstGeom>
-        </p:spPr>
-      </p:pic>
       <p:sp>
         <p:nvSpPr>
           <p:cNvPr id="6" name="TextBox 5">
@@ -9807,6 +9936,42 @@
           </a:p>
         </p:txBody>
       </p:sp>
+      <p:pic>
+        <p:nvPicPr>
+          <p:cNvPr id="10" name="Рисунок 9" descr="Изображение выглядит как линия, График, диаграмма&#10;&#10;Автоматически созданное описание">
+            <a:extLst>
+              <a:ext uri="{FF2B5EF4-FFF2-40B4-BE49-F238E27FC236}">
+                <a16:creationId xmlns:a16="http://schemas.microsoft.com/office/drawing/2014/main" id="{1ACF31A3-FC6F-811E-3E3F-9A58438F59D5}"/>
+              </a:ext>
+            </a:extLst>
+          </p:cNvPr>
+          <p:cNvPicPr>
+            <a:picLocks noChangeAspect="1"/>
+          </p:cNvPicPr>
+          <p:nvPr/>
+        </p:nvPicPr>
+        <p:blipFill>
+          <a:blip r:embed="rId2">
+            <a:extLst>
+              <a:ext uri="{28A0092B-C50C-407E-A947-70E740481C1C}">
+                <a14:useLocalDpi xmlns:a14="http://schemas.microsoft.com/office/drawing/2010/main" val="0"/>
+              </a:ext>
+            </a:extLst>
+          </a:blip>
+          <a:stretch>
+            <a:fillRect/>
+          </a:stretch>
+        </p:blipFill>
+        <p:spPr>
+          <a:xfrm>
+            <a:off x="2123378" y="1489314"/>
+            <a:ext cx="6816929" cy="3595870"/>
+          </a:xfrm>
+          <a:prstGeom prst="rect">
+            <a:avLst/>
+          </a:prstGeom>
+        </p:spPr>
+      </p:pic>
     </p:spTree>
     <p:extLst>
       <p:ext uri="{BB962C8B-B14F-4D97-AF65-F5344CB8AC3E}">
@@ -9817,13 +9982,13 @@
   <p:clrMapOvr>
     <a:masterClrMapping/>
   </p:clrMapOvr>
-  <mc:AlternateContent xmlns:mc="http://schemas.openxmlformats.org/markup-compatibility/2006">
-    <mc:Choice xmlns:p14="http://schemas.microsoft.com/office/powerpoint/2010/main" Requires="p14">
+  <mc:AlternateContent xmlns:mc="http://schemas.openxmlformats.org/markup-compatibility/2006" xmlns:p14="http://schemas.microsoft.com/office/powerpoint/2010/main">
+    <mc:Choice Requires="p14">
       <p:transition spd="med" p14:dur="700">
         <p:fade/>
       </p:transition>
     </mc:Choice>
-    <mc:Fallback>
+    <mc:Fallback xmlns="">
       <p:transition spd="med">
         <p:fade/>
       </p:transition>
@@ -10072,13 +10237,13 @@
   <p:clrMapOvr>
     <a:masterClrMapping/>
   </p:clrMapOvr>
-  <mc:AlternateContent xmlns:mc="http://schemas.openxmlformats.org/markup-compatibility/2006">
-    <mc:Choice xmlns:p14="http://schemas.microsoft.com/office/powerpoint/2010/main" Requires="p14">
+  <mc:AlternateContent xmlns:mc="http://schemas.openxmlformats.org/markup-compatibility/2006" xmlns:p14="http://schemas.microsoft.com/office/powerpoint/2010/main">
+    <mc:Choice Requires="p14">
       <p:transition spd="med" p14:dur="700">
         <p:fade/>
       </p:transition>
     </mc:Choice>
-    <mc:Fallback>
+    <mc:Fallback xmlns="">
       <p:transition spd="med">
         <p:fade/>
       </p:transition>
